--- a/ppt/7.pptx
+++ b/ppt/7.pptx
@@ -7,6 +7,7 @@
   <p:sldIdLst>
     <p:sldId id="263" r:id="rId2"/>
     <p:sldId id="256" r:id="rId3"/>
+    <p:sldId id="264" r:id="rId4"/>
   </p:sldIdLst>
   <p:sldSz cx="12192000" cy="6858000"/>
   <p:notesSz cx="6858000" cy="9144000"/>
@@ -4299,6 +4300,1013 @@
 </p:sld>
 </file>
 
+<file path=ppt/slides/slide3.xml><?xml version="1.0" encoding="utf-8"?>
+<p:sld xmlns:a="http://schemas.openxmlformats.org/drawingml/2006/main" xmlns:r="http://schemas.openxmlformats.org/officeDocument/2006/relationships" xmlns:p="http://schemas.openxmlformats.org/presentationml/2006/main">
+  <p:cSld>
+    <p:spTree>
+      <p:nvGrpSpPr>
+        <p:cNvPr id="1" name=""/>
+        <p:cNvGrpSpPr/>
+        <p:nvPr/>
+      </p:nvGrpSpPr>
+      <p:grpSpPr>
+        <a:xfrm>
+          <a:off x="0" y="0"/>
+          <a:ext cx="0" cy="0"/>
+          <a:chOff x="0" y="0"/>
+          <a:chExt cx="0" cy="0"/>
+        </a:xfrm>
+      </p:grpSpPr>
+      <p:pic>
+        <p:nvPicPr>
+          <p:cNvPr id="19" name="Picture 18">
+            <a:extLst>
+              <a:ext uri="{FF2B5EF4-FFF2-40B4-BE49-F238E27FC236}">
+                <a16:creationId xmlns:a16="http://schemas.microsoft.com/office/drawing/2014/main" id="{03EDAE54-7F14-66D6-19BA-F180121819BA}"/>
+              </a:ext>
+            </a:extLst>
+          </p:cNvPr>
+          <p:cNvPicPr>
+            <a:picLocks noChangeAspect="1"/>
+          </p:cNvPicPr>
+          <p:nvPr/>
+        </p:nvPicPr>
+        <p:blipFill>
+          <a:blip r:embed="rId2"/>
+          <a:stretch>
+            <a:fillRect/>
+          </a:stretch>
+        </p:blipFill>
+        <p:spPr>
+          <a:xfrm>
+            <a:off x="8255728" y="4650798"/>
+            <a:ext cx="3901588" cy="2207201"/>
+          </a:xfrm>
+          <a:prstGeom prst="rect">
+            <a:avLst/>
+          </a:prstGeom>
+        </p:spPr>
+      </p:pic>
+      <p:pic>
+        <p:nvPicPr>
+          <p:cNvPr id="7" name="Picture 6">
+            <a:extLst>
+              <a:ext uri="{FF2B5EF4-FFF2-40B4-BE49-F238E27FC236}">
+                <a16:creationId xmlns:a16="http://schemas.microsoft.com/office/drawing/2014/main" id="{1E4C40D8-2EBD-B55E-2387-7A60A36DED8B}"/>
+              </a:ext>
+            </a:extLst>
+          </p:cNvPr>
+          <p:cNvPicPr>
+            <a:picLocks noChangeAspect="1"/>
+          </p:cNvPicPr>
+          <p:nvPr/>
+        </p:nvPicPr>
+        <p:blipFill>
+          <a:blip r:embed="rId3"/>
+          <a:stretch>
+            <a:fillRect/>
+          </a:stretch>
+        </p:blipFill>
+        <p:spPr>
+          <a:xfrm>
+            <a:off x="0" y="0"/>
+            <a:ext cx="6324138" cy="2676335"/>
+          </a:xfrm>
+          <a:prstGeom prst="rect">
+            <a:avLst/>
+          </a:prstGeom>
+        </p:spPr>
+      </p:pic>
+      <p:pic>
+        <p:nvPicPr>
+          <p:cNvPr id="9" name="Picture 8">
+            <a:extLst>
+              <a:ext uri="{FF2B5EF4-FFF2-40B4-BE49-F238E27FC236}">
+                <a16:creationId xmlns:a16="http://schemas.microsoft.com/office/drawing/2014/main" id="{507CC0DF-2855-DA0E-A698-0340373CDB14}"/>
+              </a:ext>
+            </a:extLst>
+          </p:cNvPr>
+          <p:cNvPicPr>
+            <a:picLocks noChangeAspect="1"/>
+          </p:cNvPicPr>
+          <p:nvPr/>
+        </p:nvPicPr>
+        <p:blipFill>
+          <a:blip r:embed="rId4"/>
+          <a:stretch>
+            <a:fillRect/>
+          </a:stretch>
+        </p:blipFill>
+        <p:spPr>
+          <a:xfrm>
+            <a:off x="0" y="2676335"/>
+            <a:ext cx="5818050" cy="3186075"/>
+          </a:xfrm>
+          <a:prstGeom prst="rect">
+            <a:avLst/>
+          </a:prstGeom>
+        </p:spPr>
+      </p:pic>
+      <p:pic>
+        <p:nvPicPr>
+          <p:cNvPr id="11" name="Picture 10">
+            <a:extLst>
+              <a:ext uri="{FF2B5EF4-FFF2-40B4-BE49-F238E27FC236}">
+                <a16:creationId xmlns:a16="http://schemas.microsoft.com/office/drawing/2014/main" id="{BE601055-E0B4-3297-56F5-27887E2A0286}"/>
+              </a:ext>
+            </a:extLst>
+          </p:cNvPr>
+          <p:cNvPicPr>
+            <a:picLocks noChangeAspect="1"/>
+          </p:cNvPicPr>
+          <p:nvPr/>
+        </p:nvPicPr>
+        <p:blipFill>
+          <a:blip r:embed="rId5"/>
+          <a:stretch>
+            <a:fillRect/>
+          </a:stretch>
+        </p:blipFill>
+        <p:spPr>
+          <a:xfrm>
+            <a:off x="0" y="3833851"/>
+            <a:ext cx="5497241" cy="2509799"/>
+          </a:xfrm>
+          <a:prstGeom prst="rect">
+            <a:avLst/>
+          </a:prstGeom>
+        </p:spPr>
+      </p:pic>
+      <p:pic>
+        <p:nvPicPr>
+          <p:cNvPr id="13" name="Picture 12">
+            <a:extLst>
+              <a:ext uri="{FF2B5EF4-FFF2-40B4-BE49-F238E27FC236}">
+                <a16:creationId xmlns:a16="http://schemas.microsoft.com/office/drawing/2014/main" id="{613611B3-DC3B-1925-D3F5-C583F6CF8005}"/>
+              </a:ext>
+            </a:extLst>
+          </p:cNvPr>
+          <p:cNvPicPr>
+            <a:picLocks noChangeAspect="1"/>
+          </p:cNvPicPr>
+          <p:nvPr/>
+        </p:nvPicPr>
+        <p:blipFill>
+          <a:blip r:embed="rId6"/>
+          <a:stretch>
+            <a:fillRect/>
+          </a:stretch>
+        </p:blipFill>
+        <p:spPr>
+          <a:xfrm>
+            <a:off x="6324138" y="0"/>
+            <a:ext cx="5867861" cy="2880424"/>
+          </a:xfrm>
+          <a:prstGeom prst="rect">
+            <a:avLst/>
+          </a:prstGeom>
+        </p:spPr>
+      </p:pic>
+      <p:pic>
+        <p:nvPicPr>
+          <p:cNvPr id="15" name="Picture 14">
+            <a:extLst>
+              <a:ext uri="{FF2B5EF4-FFF2-40B4-BE49-F238E27FC236}">
+                <a16:creationId xmlns:a16="http://schemas.microsoft.com/office/drawing/2014/main" id="{E284FC86-91A4-31C0-C46E-62EB61AAE234}"/>
+              </a:ext>
+            </a:extLst>
+          </p:cNvPr>
+          <p:cNvPicPr>
+            <a:picLocks noChangeAspect="1"/>
+          </p:cNvPicPr>
+          <p:nvPr/>
+        </p:nvPicPr>
+        <p:blipFill>
+          <a:blip r:embed="rId7"/>
+          <a:stretch>
+            <a:fillRect/>
+          </a:stretch>
+        </p:blipFill>
+        <p:spPr>
+          <a:xfrm>
+            <a:off x="6535876" y="1338167"/>
+            <a:ext cx="3662185" cy="3187106"/>
+          </a:xfrm>
+          <a:prstGeom prst="rect">
+            <a:avLst/>
+          </a:prstGeom>
+        </p:spPr>
+      </p:pic>
+      <p:pic>
+        <p:nvPicPr>
+          <p:cNvPr id="17" name="Picture 16">
+            <a:extLst>
+              <a:ext uri="{FF2B5EF4-FFF2-40B4-BE49-F238E27FC236}">
+                <a16:creationId xmlns:a16="http://schemas.microsoft.com/office/drawing/2014/main" id="{5445993F-AEB8-4D42-6386-1BB8985DB961}"/>
+              </a:ext>
+            </a:extLst>
+          </p:cNvPr>
+          <p:cNvPicPr>
+            <a:picLocks noChangeAspect="1"/>
+          </p:cNvPicPr>
+          <p:nvPr/>
+        </p:nvPicPr>
+        <p:blipFill>
+          <a:blip r:embed="rId8"/>
+          <a:stretch>
+            <a:fillRect/>
+          </a:stretch>
+        </p:blipFill>
+        <p:spPr>
+          <a:xfrm>
+            <a:off x="5818050" y="4525273"/>
+            <a:ext cx="3901588" cy="2150762"/>
+          </a:xfrm>
+          <a:prstGeom prst="rect">
+            <a:avLst/>
+          </a:prstGeom>
+        </p:spPr>
+      </p:pic>
+      <p:sp>
+        <p:nvSpPr>
+          <p:cNvPr id="21" name="Rectangle 20">
+            <a:extLst>
+              <a:ext uri="{FF2B5EF4-FFF2-40B4-BE49-F238E27FC236}">
+                <a16:creationId xmlns:a16="http://schemas.microsoft.com/office/drawing/2014/main" id="{C4600F5A-1D9A-3D6C-8283-A9481DC02B76}"/>
+              </a:ext>
+            </a:extLst>
+          </p:cNvPr>
+          <p:cNvSpPr/>
+          <p:nvPr/>
+        </p:nvSpPr>
+        <p:spPr>
+          <a:xfrm>
+            <a:off x="107950" y="1615613"/>
+            <a:ext cx="750570" cy="200298"/>
+          </a:xfrm>
+          <a:prstGeom prst="rect">
+            <a:avLst/>
+          </a:prstGeom>
+          <a:noFill/>
+          <a:ln w="25400">
+            <a:solidFill>
+              <a:srgbClr val="FF0000"/>
+            </a:solidFill>
+          </a:ln>
+        </p:spPr>
+        <p:style>
+          <a:lnRef idx="2">
+            <a:schemeClr val="accent1">
+              <a:shade val="50000"/>
+            </a:schemeClr>
+          </a:lnRef>
+          <a:fillRef idx="1">
+            <a:schemeClr val="accent1"/>
+          </a:fillRef>
+          <a:effectRef idx="0">
+            <a:schemeClr val="accent1"/>
+          </a:effectRef>
+          <a:fontRef idx="minor">
+            <a:schemeClr val="lt1"/>
+          </a:fontRef>
+        </p:style>
+        <p:txBody>
+          <a:bodyPr rtlCol="0" anchor="t" anchorCtr="0"/>
+          <a:lstStyle/>
+          <a:p>
+            <a:pPr algn="r" rtl="1"/>
+            <a:r>
+              <a:rPr lang="en-US" sz="1100" dirty="0">
+                <a:solidFill>
+                  <a:srgbClr val="FF0000"/>
+                </a:solidFill>
+              </a:rPr>
+              <a:t>1</a:t>
+            </a:r>
+          </a:p>
+        </p:txBody>
+      </p:sp>
+      <p:sp>
+        <p:nvSpPr>
+          <p:cNvPr id="22" name="Rectangle 21">
+            <a:extLst>
+              <a:ext uri="{FF2B5EF4-FFF2-40B4-BE49-F238E27FC236}">
+                <a16:creationId xmlns:a16="http://schemas.microsoft.com/office/drawing/2014/main" id="{BFD8DC3F-B055-DC60-8F13-4E569EAD14E4}"/>
+              </a:ext>
+            </a:extLst>
+          </p:cNvPr>
+          <p:cNvSpPr/>
+          <p:nvPr/>
+        </p:nvSpPr>
+        <p:spPr>
+          <a:xfrm>
+            <a:off x="989322" y="1609074"/>
+            <a:ext cx="814077" cy="200298"/>
+          </a:xfrm>
+          <a:prstGeom prst="rect">
+            <a:avLst/>
+          </a:prstGeom>
+          <a:noFill/>
+          <a:ln w="25400">
+            <a:solidFill>
+              <a:srgbClr val="FF0000"/>
+            </a:solidFill>
+          </a:ln>
+        </p:spPr>
+        <p:style>
+          <a:lnRef idx="2">
+            <a:schemeClr val="accent1">
+              <a:shade val="50000"/>
+            </a:schemeClr>
+          </a:lnRef>
+          <a:fillRef idx="1">
+            <a:schemeClr val="accent1"/>
+          </a:fillRef>
+          <a:effectRef idx="0">
+            <a:schemeClr val="accent1"/>
+          </a:effectRef>
+          <a:fontRef idx="minor">
+            <a:schemeClr val="lt1"/>
+          </a:fontRef>
+        </p:style>
+        <p:txBody>
+          <a:bodyPr rtlCol="0" anchor="t" anchorCtr="0"/>
+          <a:lstStyle/>
+          <a:p>
+            <a:pPr algn="r" rtl="1"/>
+            <a:r>
+              <a:rPr lang="en-US" sz="1100" dirty="0">
+                <a:solidFill>
+                  <a:srgbClr val="FF0000"/>
+                </a:solidFill>
+              </a:rPr>
+              <a:t>2</a:t>
+            </a:r>
+          </a:p>
+        </p:txBody>
+      </p:sp>
+      <p:sp>
+        <p:nvSpPr>
+          <p:cNvPr id="23" name="Rectangle 22">
+            <a:extLst>
+              <a:ext uri="{FF2B5EF4-FFF2-40B4-BE49-F238E27FC236}">
+                <a16:creationId xmlns:a16="http://schemas.microsoft.com/office/drawing/2014/main" id="{9C3C98B0-1B38-B6B0-4050-526DA159F954}"/>
+              </a:ext>
+            </a:extLst>
+          </p:cNvPr>
+          <p:cNvSpPr/>
+          <p:nvPr/>
+        </p:nvSpPr>
+        <p:spPr>
+          <a:xfrm>
+            <a:off x="5818049" y="1260243"/>
+            <a:ext cx="400219" cy="200298"/>
+          </a:xfrm>
+          <a:prstGeom prst="rect">
+            <a:avLst/>
+          </a:prstGeom>
+          <a:noFill/>
+          <a:ln w="25400">
+            <a:solidFill>
+              <a:srgbClr val="FF0000"/>
+            </a:solidFill>
+          </a:ln>
+        </p:spPr>
+        <p:style>
+          <a:lnRef idx="2">
+            <a:schemeClr val="accent1">
+              <a:shade val="50000"/>
+            </a:schemeClr>
+          </a:lnRef>
+          <a:fillRef idx="1">
+            <a:schemeClr val="accent1"/>
+          </a:fillRef>
+          <a:effectRef idx="0">
+            <a:schemeClr val="accent1"/>
+          </a:effectRef>
+          <a:fontRef idx="minor">
+            <a:schemeClr val="lt1"/>
+          </a:fontRef>
+        </p:style>
+        <p:txBody>
+          <a:bodyPr rtlCol="0" anchor="t" anchorCtr="0"/>
+          <a:lstStyle/>
+          <a:p>
+            <a:pPr algn="r" rtl="1"/>
+            <a:r>
+              <a:rPr lang="en-US" sz="1100" dirty="0">
+                <a:solidFill>
+                  <a:srgbClr val="FF0000"/>
+                </a:solidFill>
+              </a:rPr>
+              <a:t>3</a:t>
+            </a:r>
+          </a:p>
+        </p:txBody>
+      </p:sp>
+      <p:sp>
+        <p:nvSpPr>
+          <p:cNvPr id="24" name="Rectangle 23">
+            <a:extLst>
+              <a:ext uri="{FF2B5EF4-FFF2-40B4-BE49-F238E27FC236}">
+                <a16:creationId xmlns:a16="http://schemas.microsoft.com/office/drawing/2014/main" id="{0C8C2861-2824-1D26-4237-4661D846B43B}"/>
+              </a:ext>
+            </a:extLst>
+          </p:cNvPr>
+          <p:cNvSpPr/>
+          <p:nvPr/>
+        </p:nvSpPr>
+        <p:spPr>
+          <a:xfrm>
+            <a:off x="5263684" y="1574431"/>
+            <a:ext cx="954584" cy="200298"/>
+          </a:xfrm>
+          <a:prstGeom prst="rect">
+            <a:avLst/>
+          </a:prstGeom>
+          <a:noFill/>
+          <a:ln w="25400">
+            <a:solidFill>
+              <a:srgbClr val="FF0000"/>
+            </a:solidFill>
+          </a:ln>
+        </p:spPr>
+        <p:style>
+          <a:lnRef idx="2">
+            <a:schemeClr val="accent1">
+              <a:shade val="50000"/>
+            </a:schemeClr>
+          </a:lnRef>
+          <a:fillRef idx="1">
+            <a:schemeClr val="accent1"/>
+          </a:fillRef>
+          <a:effectRef idx="0">
+            <a:schemeClr val="accent1"/>
+          </a:effectRef>
+          <a:fontRef idx="minor">
+            <a:schemeClr val="lt1"/>
+          </a:fontRef>
+        </p:style>
+        <p:txBody>
+          <a:bodyPr rtlCol="0" anchor="t" anchorCtr="0"/>
+          <a:lstStyle/>
+          <a:p>
+            <a:pPr algn="r" rtl="1"/>
+            <a:r>
+              <a:rPr lang="en-US" sz="1100" dirty="0">
+                <a:solidFill>
+                  <a:srgbClr val="FF0000"/>
+                </a:solidFill>
+              </a:rPr>
+              <a:t>4</a:t>
+            </a:r>
+          </a:p>
+        </p:txBody>
+      </p:sp>
+      <p:sp>
+        <p:nvSpPr>
+          <p:cNvPr id="25" name="Rectangle 24">
+            <a:extLst>
+              <a:ext uri="{FF2B5EF4-FFF2-40B4-BE49-F238E27FC236}">
+                <a16:creationId xmlns:a16="http://schemas.microsoft.com/office/drawing/2014/main" id="{32F84C79-4C35-D847-ADE5-58E5686FE282}"/>
+              </a:ext>
+            </a:extLst>
+          </p:cNvPr>
+          <p:cNvSpPr/>
+          <p:nvPr/>
+        </p:nvSpPr>
+        <p:spPr>
+          <a:xfrm>
+            <a:off x="5051108" y="2990523"/>
+            <a:ext cx="898842" cy="200298"/>
+          </a:xfrm>
+          <a:prstGeom prst="rect">
+            <a:avLst/>
+          </a:prstGeom>
+          <a:noFill/>
+          <a:ln w="25400">
+            <a:solidFill>
+              <a:srgbClr val="FF0000"/>
+            </a:solidFill>
+          </a:ln>
+        </p:spPr>
+        <p:style>
+          <a:lnRef idx="2">
+            <a:schemeClr val="accent1">
+              <a:shade val="50000"/>
+            </a:schemeClr>
+          </a:lnRef>
+          <a:fillRef idx="1">
+            <a:schemeClr val="accent1"/>
+          </a:fillRef>
+          <a:effectRef idx="0">
+            <a:schemeClr val="accent1"/>
+          </a:effectRef>
+          <a:fontRef idx="minor">
+            <a:schemeClr val="lt1"/>
+          </a:fontRef>
+        </p:style>
+        <p:txBody>
+          <a:bodyPr rtlCol="0" anchor="t" anchorCtr="0"/>
+          <a:lstStyle/>
+          <a:p>
+            <a:pPr algn="r" rtl="1"/>
+            <a:r>
+              <a:rPr lang="en-US" sz="1100" dirty="0">
+                <a:solidFill>
+                  <a:srgbClr val="FF0000"/>
+                </a:solidFill>
+              </a:rPr>
+              <a:t>5</a:t>
+            </a:r>
+          </a:p>
+        </p:txBody>
+      </p:sp>
+      <p:sp>
+        <p:nvSpPr>
+          <p:cNvPr id="26" name="Rectangle 25">
+            <a:extLst>
+              <a:ext uri="{FF2B5EF4-FFF2-40B4-BE49-F238E27FC236}">
+                <a16:creationId xmlns:a16="http://schemas.microsoft.com/office/drawing/2014/main" id="{4E352716-0E9E-337E-3436-98FC63C073A6}"/>
+              </a:ext>
+            </a:extLst>
+          </p:cNvPr>
+          <p:cNvSpPr/>
+          <p:nvPr/>
+        </p:nvSpPr>
+        <p:spPr>
+          <a:xfrm>
+            <a:off x="107950" y="5317744"/>
+            <a:ext cx="750570" cy="200298"/>
+          </a:xfrm>
+          <a:prstGeom prst="rect">
+            <a:avLst/>
+          </a:prstGeom>
+          <a:noFill/>
+          <a:ln w="25400">
+            <a:solidFill>
+              <a:srgbClr val="FF0000"/>
+            </a:solidFill>
+          </a:ln>
+        </p:spPr>
+        <p:style>
+          <a:lnRef idx="2">
+            <a:schemeClr val="accent1">
+              <a:shade val="50000"/>
+            </a:schemeClr>
+          </a:lnRef>
+          <a:fillRef idx="1">
+            <a:schemeClr val="accent1"/>
+          </a:fillRef>
+          <a:effectRef idx="0">
+            <a:schemeClr val="accent1"/>
+          </a:effectRef>
+          <a:fontRef idx="minor">
+            <a:schemeClr val="lt1"/>
+          </a:fontRef>
+        </p:style>
+        <p:txBody>
+          <a:bodyPr rtlCol="0" anchor="t" anchorCtr="0"/>
+          <a:lstStyle/>
+          <a:p>
+            <a:pPr algn="r" rtl="1"/>
+            <a:r>
+              <a:rPr lang="en-US" sz="1100" dirty="0">
+                <a:solidFill>
+                  <a:srgbClr val="FF0000"/>
+                </a:solidFill>
+              </a:rPr>
+              <a:t>6</a:t>
+            </a:r>
+          </a:p>
+        </p:txBody>
+      </p:sp>
+      <p:sp>
+        <p:nvSpPr>
+          <p:cNvPr id="27" name="Rectangle 26">
+            <a:extLst>
+              <a:ext uri="{FF2B5EF4-FFF2-40B4-BE49-F238E27FC236}">
+                <a16:creationId xmlns:a16="http://schemas.microsoft.com/office/drawing/2014/main" id="{D0B0CD3E-2012-B1FE-768E-1D35F72F824B}"/>
+              </a:ext>
+            </a:extLst>
+          </p:cNvPr>
+          <p:cNvSpPr/>
+          <p:nvPr/>
+        </p:nvSpPr>
+        <p:spPr>
+          <a:xfrm>
+            <a:off x="1723062" y="4650798"/>
+            <a:ext cx="797888" cy="200298"/>
+          </a:xfrm>
+          <a:prstGeom prst="rect">
+            <a:avLst/>
+          </a:prstGeom>
+          <a:noFill/>
+          <a:ln w="25400">
+            <a:solidFill>
+              <a:srgbClr val="FF0000"/>
+            </a:solidFill>
+          </a:ln>
+        </p:spPr>
+        <p:style>
+          <a:lnRef idx="2">
+            <a:schemeClr val="accent1">
+              <a:shade val="50000"/>
+            </a:schemeClr>
+          </a:lnRef>
+          <a:fillRef idx="1">
+            <a:schemeClr val="accent1"/>
+          </a:fillRef>
+          <a:effectRef idx="0">
+            <a:schemeClr val="accent1"/>
+          </a:effectRef>
+          <a:fontRef idx="minor">
+            <a:schemeClr val="lt1"/>
+          </a:fontRef>
+        </p:style>
+        <p:txBody>
+          <a:bodyPr rtlCol="0" anchor="t" anchorCtr="0"/>
+          <a:lstStyle/>
+          <a:p>
+            <a:pPr algn="r" rtl="1"/>
+            <a:r>
+              <a:rPr lang="en-US" sz="1100" dirty="0">
+                <a:solidFill>
+                  <a:srgbClr val="FF0000"/>
+                </a:solidFill>
+              </a:rPr>
+              <a:t>7</a:t>
+            </a:r>
+          </a:p>
+        </p:txBody>
+      </p:sp>
+      <p:sp>
+        <p:nvSpPr>
+          <p:cNvPr id="28" name="Rectangle 27">
+            <a:extLst>
+              <a:ext uri="{FF2B5EF4-FFF2-40B4-BE49-F238E27FC236}">
+                <a16:creationId xmlns:a16="http://schemas.microsoft.com/office/drawing/2014/main" id="{B771058B-D59C-3A7F-B056-14D71F6E2DA5}"/>
+              </a:ext>
+            </a:extLst>
+          </p:cNvPr>
+          <p:cNvSpPr/>
+          <p:nvPr/>
+        </p:nvSpPr>
+        <p:spPr>
+          <a:xfrm>
+            <a:off x="7616398" y="857250"/>
+            <a:ext cx="797352" cy="200298"/>
+          </a:xfrm>
+          <a:prstGeom prst="rect">
+            <a:avLst/>
+          </a:prstGeom>
+          <a:noFill/>
+          <a:ln w="25400">
+            <a:solidFill>
+              <a:srgbClr val="FF0000"/>
+            </a:solidFill>
+          </a:ln>
+        </p:spPr>
+        <p:style>
+          <a:lnRef idx="2">
+            <a:schemeClr val="accent1">
+              <a:shade val="50000"/>
+            </a:schemeClr>
+          </a:lnRef>
+          <a:fillRef idx="1">
+            <a:schemeClr val="accent1"/>
+          </a:fillRef>
+          <a:effectRef idx="0">
+            <a:schemeClr val="accent1"/>
+          </a:effectRef>
+          <a:fontRef idx="minor">
+            <a:schemeClr val="lt1"/>
+          </a:fontRef>
+        </p:style>
+        <p:txBody>
+          <a:bodyPr rtlCol="0" anchor="t" anchorCtr="0"/>
+          <a:lstStyle/>
+          <a:p>
+            <a:pPr algn="r" rtl="1"/>
+            <a:r>
+              <a:rPr lang="en-US" sz="1100" dirty="0">
+                <a:solidFill>
+                  <a:srgbClr val="FF0000"/>
+                </a:solidFill>
+              </a:rPr>
+              <a:t>8</a:t>
+            </a:r>
+          </a:p>
+        </p:txBody>
+      </p:sp>
+      <p:sp>
+        <p:nvSpPr>
+          <p:cNvPr id="29" name="Rectangle 28">
+            <a:extLst>
+              <a:ext uri="{FF2B5EF4-FFF2-40B4-BE49-F238E27FC236}">
+                <a16:creationId xmlns:a16="http://schemas.microsoft.com/office/drawing/2014/main" id="{7BEE1681-C30E-9772-C23A-045CBD92408A}"/>
+              </a:ext>
+            </a:extLst>
+          </p:cNvPr>
+          <p:cNvSpPr/>
+          <p:nvPr/>
+        </p:nvSpPr>
+        <p:spPr>
+          <a:xfrm>
+            <a:off x="7616398" y="2392000"/>
+            <a:ext cx="750570" cy="200298"/>
+          </a:xfrm>
+          <a:prstGeom prst="rect">
+            <a:avLst/>
+          </a:prstGeom>
+          <a:noFill/>
+          <a:ln w="25400">
+            <a:solidFill>
+              <a:srgbClr val="FF0000"/>
+            </a:solidFill>
+          </a:ln>
+        </p:spPr>
+        <p:style>
+          <a:lnRef idx="2">
+            <a:schemeClr val="accent1">
+              <a:shade val="50000"/>
+            </a:schemeClr>
+          </a:lnRef>
+          <a:fillRef idx="1">
+            <a:schemeClr val="accent1"/>
+          </a:fillRef>
+          <a:effectRef idx="0">
+            <a:schemeClr val="accent1"/>
+          </a:effectRef>
+          <a:fontRef idx="minor">
+            <a:schemeClr val="lt1"/>
+          </a:fontRef>
+        </p:style>
+        <p:txBody>
+          <a:bodyPr rtlCol="0" anchor="t" anchorCtr="0"/>
+          <a:lstStyle/>
+          <a:p>
+            <a:pPr algn="r" rtl="1"/>
+            <a:r>
+              <a:rPr lang="en-US" sz="1100" dirty="0">
+                <a:solidFill>
+                  <a:srgbClr val="FF0000"/>
+                </a:solidFill>
+              </a:rPr>
+              <a:t>9</a:t>
+            </a:r>
+          </a:p>
+        </p:txBody>
+      </p:sp>
+      <p:sp>
+        <p:nvSpPr>
+          <p:cNvPr id="30" name="Rectangle 29">
+            <a:extLst>
+              <a:ext uri="{FF2B5EF4-FFF2-40B4-BE49-F238E27FC236}">
+                <a16:creationId xmlns:a16="http://schemas.microsoft.com/office/drawing/2014/main" id="{475D023B-2236-0C9A-3B4F-E1F314BCC758}"/>
+              </a:ext>
+            </a:extLst>
+          </p:cNvPr>
+          <p:cNvSpPr/>
+          <p:nvPr/>
+        </p:nvSpPr>
+        <p:spPr>
+          <a:xfrm>
+            <a:off x="7610216" y="2820435"/>
+            <a:ext cx="2587845" cy="200298"/>
+          </a:xfrm>
+          <a:prstGeom prst="rect">
+            <a:avLst/>
+          </a:prstGeom>
+          <a:noFill/>
+          <a:ln w="25400">
+            <a:solidFill>
+              <a:srgbClr val="FF0000"/>
+            </a:solidFill>
+          </a:ln>
+        </p:spPr>
+        <p:style>
+          <a:lnRef idx="2">
+            <a:schemeClr val="accent1">
+              <a:shade val="50000"/>
+            </a:schemeClr>
+          </a:lnRef>
+          <a:fillRef idx="1">
+            <a:schemeClr val="accent1"/>
+          </a:fillRef>
+          <a:effectRef idx="0">
+            <a:schemeClr val="accent1"/>
+          </a:effectRef>
+          <a:fontRef idx="minor">
+            <a:schemeClr val="lt1"/>
+          </a:fontRef>
+        </p:style>
+        <p:txBody>
+          <a:bodyPr rtlCol="0" anchor="t" anchorCtr="0"/>
+          <a:lstStyle/>
+          <a:p>
+            <a:pPr algn="r" rtl="1"/>
+            <a:r>
+              <a:rPr lang="en-US" sz="1100" dirty="0">
+                <a:solidFill>
+                  <a:srgbClr val="FF0000"/>
+                </a:solidFill>
+              </a:rPr>
+              <a:t>10</a:t>
+            </a:r>
+          </a:p>
+        </p:txBody>
+      </p:sp>
+      <p:sp>
+        <p:nvSpPr>
+          <p:cNvPr id="31" name="Rectangle 30">
+            <a:extLst>
+              <a:ext uri="{FF2B5EF4-FFF2-40B4-BE49-F238E27FC236}">
+                <a16:creationId xmlns:a16="http://schemas.microsoft.com/office/drawing/2014/main" id="{E40C9DDF-0939-1A73-8B56-659885C5643B}"/>
+              </a:ext>
+            </a:extLst>
+          </p:cNvPr>
+          <p:cNvSpPr/>
+          <p:nvPr/>
+        </p:nvSpPr>
+        <p:spPr>
+          <a:xfrm>
+            <a:off x="9775794" y="4343309"/>
+            <a:ext cx="618670" cy="200298"/>
+          </a:xfrm>
+          <a:prstGeom prst="rect">
+            <a:avLst/>
+          </a:prstGeom>
+          <a:noFill/>
+          <a:ln w="25400">
+            <a:solidFill>
+              <a:srgbClr val="FF0000"/>
+            </a:solidFill>
+          </a:ln>
+        </p:spPr>
+        <p:style>
+          <a:lnRef idx="2">
+            <a:schemeClr val="accent1">
+              <a:shade val="50000"/>
+            </a:schemeClr>
+          </a:lnRef>
+          <a:fillRef idx="1">
+            <a:schemeClr val="accent1"/>
+          </a:fillRef>
+          <a:effectRef idx="0">
+            <a:schemeClr val="accent1"/>
+          </a:effectRef>
+          <a:fontRef idx="minor">
+            <a:schemeClr val="lt1"/>
+          </a:fontRef>
+        </p:style>
+        <p:txBody>
+          <a:bodyPr rtlCol="0" anchor="t" anchorCtr="0"/>
+          <a:lstStyle/>
+          <a:p>
+            <a:pPr algn="r" rtl="1"/>
+            <a:r>
+              <a:rPr lang="en-US" sz="1100" dirty="0">
+                <a:solidFill>
+                  <a:srgbClr val="FF0000"/>
+                </a:solidFill>
+              </a:rPr>
+              <a:t>11</a:t>
+            </a:r>
+          </a:p>
+        </p:txBody>
+      </p:sp>
+      <p:sp>
+        <p:nvSpPr>
+          <p:cNvPr id="32" name="Rectangle 31">
+            <a:extLst>
+              <a:ext uri="{FF2B5EF4-FFF2-40B4-BE49-F238E27FC236}">
+                <a16:creationId xmlns:a16="http://schemas.microsoft.com/office/drawing/2014/main" id="{7A5DF15C-2319-F953-705D-CC23D2400A76}"/>
+              </a:ext>
+            </a:extLst>
+          </p:cNvPr>
+          <p:cNvSpPr/>
+          <p:nvPr/>
+        </p:nvSpPr>
+        <p:spPr>
+          <a:xfrm>
+            <a:off x="9350344" y="6392545"/>
+            <a:ext cx="618670" cy="200298"/>
+          </a:xfrm>
+          <a:prstGeom prst="rect">
+            <a:avLst/>
+          </a:prstGeom>
+          <a:noFill/>
+          <a:ln w="25400">
+            <a:solidFill>
+              <a:srgbClr val="FF0000"/>
+            </a:solidFill>
+          </a:ln>
+        </p:spPr>
+        <p:style>
+          <a:lnRef idx="2">
+            <a:schemeClr val="accent1">
+              <a:shade val="50000"/>
+            </a:schemeClr>
+          </a:lnRef>
+          <a:fillRef idx="1">
+            <a:schemeClr val="accent1"/>
+          </a:fillRef>
+          <a:effectRef idx="0">
+            <a:schemeClr val="accent1"/>
+          </a:effectRef>
+          <a:fontRef idx="minor">
+            <a:schemeClr val="lt1"/>
+          </a:fontRef>
+        </p:style>
+        <p:txBody>
+          <a:bodyPr rtlCol="0" anchor="t" anchorCtr="0"/>
+          <a:lstStyle/>
+          <a:p>
+            <a:pPr algn="r" rtl="1"/>
+            <a:r>
+              <a:rPr lang="en-US" sz="1100" dirty="0">
+                <a:solidFill>
+                  <a:srgbClr val="FF0000"/>
+                </a:solidFill>
+              </a:rPr>
+              <a:t>12</a:t>
+            </a:r>
+          </a:p>
+        </p:txBody>
+      </p:sp>
+      <p:sp>
+        <p:nvSpPr>
+          <p:cNvPr id="33" name="Rectangle 32">
+            <a:extLst>
+              <a:ext uri="{FF2B5EF4-FFF2-40B4-BE49-F238E27FC236}">
+                <a16:creationId xmlns:a16="http://schemas.microsoft.com/office/drawing/2014/main" id="{196BD853-05A7-45DD-80C0-9CF26A79138C}"/>
+              </a:ext>
+            </a:extLst>
+          </p:cNvPr>
+          <p:cNvSpPr/>
+          <p:nvPr/>
+        </p:nvSpPr>
+        <p:spPr>
+          <a:xfrm>
+            <a:off x="11706194" y="6665595"/>
+            <a:ext cx="618670" cy="200298"/>
+          </a:xfrm>
+          <a:prstGeom prst="rect">
+            <a:avLst/>
+          </a:prstGeom>
+          <a:noFill/>
+          <a:ln w="25400">
+            <a:solidFill>
+              <a:srgbClr val="FF0000"/>
+            </a:solidFill>
+          </a:ln>
+        </p:spPr>
+        <p:style>
+          <a:lnRef idx="2">
+            <a:schemeClr val="accent1">
+              <a:shade val="50000"/>
+            </a:schemeClr>
+          </a:lnRef>
+          <a:fillRef idx="1">
+            <a:schemeClr val="accent1"/>
+          </a:fillRef>
+          <a:effectRef idx="0">
+            <a:schemeClr val="accent1"/>
+          </a:effectRef>
+          <a:fontRef idx="minor">
+            <a:schemeClr val="lt1"/>
+          </a:fontRef>
+        </p:style>
+        <p:txBody>
+          <a:bodyPr rtlCol="0" anchor="t" anchorCtr="0"/>
+          <a:lstStyle/>
+          <a:p>
+            <a:pPr algn="r" rtl="1"/>
+            <a:r>
+              <a:rPr lang="en-US" sz="1100" dirty="0">
+                <a:solidFill>
+                  <a:srgbClr val="FF0000"/>
+                </a:solidFill>
+              </a:rPr>
+              <a:t>13</a:t>
+            </a:r>
+          </a:p>
+        </p:txBody>
+      </p:sp>
+    </p:spTree>
+    <p:extLst>
+      <p:ext uri="{BB962C8B-B14F-4D97-AF65-F5344CB8AC3E}">
+        <p14:creationId xmlns:p14="http://schemas.microsoft.com/office/powerpoint/2010/main" val="1572787293"/>
+      </p:ext>
+    </p:extLst>
+  </p:cSld>
+  <p:clrMapOvr>
+    <a:masterClrMapping/>
+  </p:clrMapOvr>
+</p:sld>
+</file>
+
 <file path=ppt/theme/theme1.xml><?xml version="1.0" encoding="utf-8"?>
 <a:theme xmlns:a="http://schemas.openxmlformats.org/drawingml/2006/main" name="Office Theme">
   <a:themeElements>

--- a/ppt/7.pptx
+++ b/ppt/7.pptx
@@ -261,7 +261,7 @@
           <a:p>
             <a:fld id="{5607B9D9-C207-4155-B438-75467CF731EF}" type="datetimeFigureOut">
               <a:rPr lang="en-US" smtClean="0"/>
-              <a:t>30-Oct-22</a:t>
+              <a:t>29-Nov-22</a:t>
             </a:fld>
             <a:endParaRPr lang="en-US"/>
           </a:p>
@@ -459,7 +459,7 @@
           <a:p>
             <a:fld id="{5607B9D9-C207-4155-B438-75467CF731EF}" type="datetimeFigureOut">
               <a:rPr lang="en-US" smtClean="0"/>
-              <a:t>30-Oct-22</a:t>
+              <a:t>29-Nov-22</a:t>
             </a:fld>
             <a:endParaRPr lang="en-US"/>
           </a:p>
@@ -667,7 +667,7 @@
           <a:p>
             <a:fld id="{5607B9D9-C207-4155-B438-75467CF731EF}" type="datetimeFigureOut">
               <a:rPr lang="en-US" smtClean="0"/>
-              <a:t>30-Oct-22</a:t>
+              <a:t>29-Nov-22</a:t>
             </a:fld>
             <a:endParaRPr lang="en-US"/>
           </a:p>
@@ -865,7 +865,7 @@
           <a:p>
             <a:fld id="{5607B9D9-C207-4155-B438-75467CF731EF}" type="datetimeFigureOut">
               <a:rPr lang="en-US" smtClean="0"/>
-              <a:t>30-Oct-22</a:t>
+              <a:t>29-Nov-22</a:t>
             </a:fld>
             <a:endParaRPr lang="en-US"/>
           </a:p>
@@ -1140,7 +1140,7 @@
           <a:p>
             <a:fld id="{5607B9D9-C207-4155-B438-75467CF731EF}" type="datetimeFigureOut">
               <a:rPr lang="en-US" smtClean="0"/>
-              <a:t>30-Oct-22</a:t>
+              <a:t>29-Nov-22</a:t>
             </a:fld>
             <a:endParaRPr lang="en-US"/>
           </a:p>
@@ -1405,7 +1405,7 @@
           <a:p>
             <a:fld id="{5607B9D9-C207-4155-B438-75467CF731EF}" type="datetimeFigureOut">
               <a:rPr lang="en-US" smtClean="0"/>
-              <a:t>30-Oct-22</a:t>
+              <a:t>29-Nov-22</a:t>
             </a:fld>
             <a:endParaRPr lang="en-US"/>
           </a:p>
@@ -1817,7 +1817,7 @@
           <a:p>
             <a:fld id="{5607B9D9-C207-4155-B438-75467CF731EF}" type="datetimeFigureOut">
               <a:rPr lang="en-US" smtClean="0"/>
-              <a:t>30-Oct-22</a:t>
+              <a:t>29-Nov-22</a:t>
             </a:fld>
             <a:endParaRPr lang="en-US"/>
           </a:p>
@@ -1958,7 +1958,7 @@
           <a:p>
             <a:fld id="{5607B9D9-C207-4155-B438-75467CF731EF}" type="datetimeFigureOut">
               <a:rPr lang="en-US" smtClean="0"/>
-              <a:t>30-Oct-22</a:t>
+              <a:t>29-Nov-22</a:t>
             </a:fld>
             <a:endParaRPr lang="en-US"/>
           </a:p>
@@ -2071,7 +2071,7 @@
           <a:p>
             <a:fld id="{5607B9D9-C207-4155-B438-75467CF731EF}" type="datetimeFigureOut">
               <a:rPr lang="en-US" smtClean="0"/>
-              <a:t>30-Oct-22</a:t>
+              <a:t>29-Nov-22</a:t>
             </a:fld>
             <a:endParaRPr lang="en-US"/>
           </a:p>
@@ -2382,7 +2382,7 @@
           <a:p>
             <a:fld id="{5607B9D9-C207-4155-B438-75467CF731EF}" type="datetimeFigureOut">
               <a:rPr lang="en-US" smtClean="0"/>
-              <a:t>30-Oct-22</a:t>
+              <a:t>29-Nov-22</a:t>
             </a:fld>
             <a:endParaRPr lang="en-US"/>
           </a:p>
@@ -2670,7 +2670,7 @@
           <a:p>
             <a:fld id="{5607B9D9-C207-4155-B438-75467CF731EF}" type="datetimeFigureOut">
               <a:rPr lang="en-US" smtClean="0"/>
-              <a:t>30-Oct-22</a:t>
+              <a:t>29-Nov-22</a:t>
             </a:fld>
             <a:endParaRPr lang="en-US"/>
           </a:p>
@@ -2911,7 +2911,7 @@
           <a:p>
             <a:fld id="{5607B9D9-C207-4155-B438-75467CF731EF}" type="datetimeFigureOut">
               <a:rPr lang="en-US" smtClean="0"/>
-              <a:t>30-Oct-22</a:t>
+              <a:t>29-Nov-22</a:t>
             </a:fld>
             <a:endParaRPr lang="en-US"/>
           </a:p>
@@ -4469,10 +4469,10 @@
       </p:pic>
       <p:pic>
         <p:nvPicPr>
-          <p:cNvPr id="15" name="Picture 14">
-            <a:extLst>
-              <a:ext uri="{FF2B5EF4-FFF2-40B4-BE49-F238E27FC236}">
-                <a16:creationId xmlns:a16="http://schemas.microsoft.com/office/drawing/2014/main" id="{E284FC86-91A4-31C0-C46E-62EB61AAE234}"/>
+          <p:cNvPr id="17" name="Picture 16">
+            <a:extLst>
+              <a:ext uri="{FF2B5EF4-FFF2-40B4-BE49-F238E27FC236}">
+                <a16:creationId xmlns:a16="http://schemas.microsoft.com/office/drawing/2014/main" id="{5445993F-AEB8-4D42-6386-1BB8985DB961}"/>
               </a:ext>
             </a:extLst>
           </p:cNvPr>
@@ -4483,36 +4483,6 @@
         </p:nvPicPr>
         <p:blipFill>
           <a:blip r:embed="rId7"/>
-          <a:stretch>
-            <a:fillRect/>
-          </a:stretch>
-        </p:blipFill>
-        <p:spPr>
-          <a:xfrm>
-            <a:off x="6535876" y="1338167"/>
-            <a:ext cx="3662185" cy="3187106"/>
-          </a:xfrm>
-          <a:prstGeom prst="rect">
-            <a:avLst/>
-          </a:prstGeom>
-        </p:spPr>
-      </p:pic>
-      <p:pic>
-        <p:nvPicPr>
-          <p:cNvPr id="17" name="Picture 16">
-            <a:extLst>
-              <a:ext uri="{FF2B5EF4-FFF2-40B4-BE49-F238E27FC236}">
-                <a16:creationId xmlns:a16="http://schemas.microsoft.com/office/drawing/2014/main" id="{5445993F-AEB8-4D42-6386-1BB8985DB961}"/>
-              </a:ext>
-            </a:extLst>
-          </p:cNvPr>
-          <p:cNvPicPr>
-            <a:picLocks noChangeAspect="1"/>
-          </p:cNvPicPr>
-          <p:nvPr/>
-        </p:nvPicPr>
-        <p:blipFill>
-          <a:blip r:embed="rId8"/>
           <a:stretch>
             <a:fillRect/>
           </a:stretch>
@@ -4999,6 +4969,36 @@
           </a:p>
         </p:txBody>
       </p:sp>
+      <p:pic>
+        <p:nvPicPr>
+          <p:cNvPr id="5" name="Picture 4">
+            <a:extLst>
+              <a:ext uri="{FF2B5EF4-FFF2-40B4-BE49-F238E27FC236}">
+                <a16:creationId xmlns:a16="http://schemas.microsoft.com/office/drawing/2014/main" id="{E5E8CCB6-5509-B53F-6C2C-ADD9C509D4DD}"/>
+              </a:ext>
+            </a:extLst>
+          </p:cNvPr>
+          <p:cNvPicPr>
+            <a:picLocks noChangeAspect="1"/>
+          </p:cNvPicPr>
+          <p:nvPr/>
+        </p:nvPicPr>
+        <p:blipFill>
+          <a:blip r:embed="rId8"/>
+          <a:stretch>
+            <a:fillRect/>
+          </a:stretch>
+        </p:blipFill>
+        <p:spPr>
+          <a:xfrm>
+            <a:off x="6335502" y="1110012"/>
+            <a:ext cx="3572191" cy="3400478"/>
+          </a:xfrm>
+          <a:prstGeom prst="rect">
+            <a:avLst/>
+          </a:prstGeom>
+        </p:spPr>
+      </p:pic>
       <p:sp>
         <p:nvSpPr>
           <p:cNvPr id="29" name="Rectangle 28">
@@ -5013,7 +5013,7 @@
         </p:nvSpPr>
         <p:spPr>
           <a:xfrm>
-            <a:off x="7616398" y="2392000"/>
+            <a:off x="7433041" y="2372952"/>
             <a:ext cx="750570" cy="200298"/>
           </a:xfrm>
           <a:prstGeom prst="rect">
@@ -5072,7 +5072,7 @@
         </p:nvSpPr>
         <p:spPr>
           <a:xfrm>
-            <a:off x="7610216" y="2820435"/>
+            <a:off x="7369707" y="2820435"/>
             <a:ext cx="2587845" cy="200298"/>
           </a:xfrm>
           <a:prstGeom prst="rect">
@@ -5131,7 +5131,7 @@
         </p:nvSpPr>
         <p:spPr>
           <a:xfrm>
-            <a:off x="9775794" y="4343309"/>
+            <a:off x="9573385" y="4343309"/>
             <a:ext cx="618670" cy="200298"/>
           </a:xfrm>
           <a:prstGeom prst="rect">

--- a/ppt/7.pptx
+++ b/ppt/7.pptx
@@ -4467,36 +4467,6 @@
           </a:prstGeom>
         </p:spPr>
       </p:pic>
-      <p:pic>
-        <p:nvPicPr>
-          <p:cNvPr id="17" name="Picture 16">
-            <a:extLst>
-              <a:ext uri="{FF2B5EF4-FFF2-40B4-BE49-F238E27FC236}">
-                <a16:creationId xmlns:a16="http://schemas.microsoft.com/office/drawing/2014/main" id="{5445993F-AEB8-4D42-6386-1BB8985DB961}"/>
-              </a:ext>
-            </a:extLst>
-          </p:cNvPr>
-          <p:cNvPicPr>
-            <a:picLocks noChangeAspect="1"/>
-          </p:cNvPicPr>
-          <p:nvPr/>
-        </p:nvPicPr>
-        <p:blipFill>
-          <a:blip r:embed="rId7"/>
-          <a:stretch>
-            <a:fillRect/>
-          </a:stretch>
-        </p:blipFill>
-        <p:spPr>
-          <a:xfrm>
-            <a:off x="5818050" y="4525273"/>
-            <a:ext cx="3901588" cy="2150762"/>
-          </a:xfrm>
-          <a:prstGeom prst="rect">
-            <a:avLst/>
-          </a:prstGeom>
-        </p:spPr>
-      </p:pic>
       <p:sp>
         <p:nvSpPr>
           <p:cNvPr id="21" name="Rectangle 20">
@@ -4984,7 +4954,7 @@
           <p:nvPr/>
         </p:nvPicPr>
         <p:blipFill>
-          <a:blip r:embed="rId8"/>
+          <a:blip r:embed="rId7"/>
           <a:stretch>
             <a:fillRect/>
           </a:stretch>
@@ -5178,10 +5148,10 @@
       </p:sp>
       <p:sp>
         <p:nvSpPr>
-          <p:cNvPr id="32" name="Rectangle 31">
-            <a:extLst>
-              <a:ext uri="{FF2B5EF4-FFF2-40B4-BE49-F238E27FC236}">
-                <a16:creationId xmlns:a16="http://schemas.microsoft.com/office/drawing/2014/main" id="{7A5DF15C-2319-F953-705D-CC23D2400A76}"/>
+          <p:cNvPr id="33" name="Rectangle 32">
+            <a:extLst>
+              <a:ext uri="{FF2B5EF4-FFF2-40B4-BE49-F238E27FC236}">
+                <a16:creationId xmlns:a16="http://schemas.microsoft.com/office/drawing/2014/main" id="{196BD853-05A7-45DD-80C0-9CF26A79138C}"/>
               </a:ext>
             </a:extLst>
           </p:cNvPr>
@@ -5190,7 +5160,7 @@
         </p:nvSpPr>
         <p:spPr>
           <a:xfrm>
-            <a:off x="9350344" y="6392545"/>
+            <a:off x="11682290" y="6653643"/>
             <a:ext cx="618670" cy="200298"/>
           </a:xfrm>
           <a:prstGeom prst="rect">
@@ -5230,17 +5200,47 @@
                   <a:srgbClr val="FF0000"/>
                 </a:solidFill>
               </a:rPr>
-              <a:t>12</a:t>
-            </a:r>
-          </a:p>
-        </p:txBody>
-      </p:sp>
-      <p:sp>
-        <p:nvSpPr>
-          <p:cNvPr id="33" name="Rectangle 32">
-            <a:extLst>
-              <a:ext uri="{FF2B5EF4-FFF2-40B4-BE49-F238E27FC236}">
-                <a16:creationId xmlns:a16="http://schemas.microsoft.com/office/drawing/2014/main" id="{196BD853-05A7-45DD-80C0-9CF26A79138C}"/>
+              <a:t>13</a:t>
+            </a:r>
+          </a:p>
+        </p:txBody>
+      </p:sp>
+      <p:pic>
+        <p:nvPicPr>
+          <p:cNvPr id="3" name="Picture 2">
+            <a:extLst>
+              <a:ext uri="{FF2B5EF4-FFF2-40B4-BE49-F238E27FC236}">
+                <a16:creationId xmlns:a16="http://schemas.microsoft.com/office/drawing/2014/main" id="{3082DA0C-BBB6-B189-8807-6D85143FF818}"/>
+              </a:ext>
+            </a:extLst>
+          </p:cNvPr>
+          <p:cNvPicPr>
+            <a:picLocks noChangeAspect="1"/>
+          </p:cNvPicPr>
+          <p:nvPr/>
+        </p:nvPicPr>
+        <p:blipFill>
+          <a:blip r:embed="rId8"/>
+          <a:stretch>
+            <a:fillRect/>
+          </a:stretch>
+        </p:blipFill>
+        <p:spPr>
+          <a:xfrm>
+            <a:off x="5584375" y="4510490"/>
+            <a:ext cx="3901588" cy="2142918"/>
+          </a:xfrm>
+          <a:prstGeom prst="rect">
+            <a:avLst/>
+          </a:prstGeom>
+        </p:spPr>
+      </p:pic>
+      <p:sp>
+        <p:nvSpPr>
+          <p:cNvPr id="4" name="Rectangle 3">
+            <a:extLst>
+              <a:ext uri="{FF2B5EF4-FFF2-40B4-BE49-F238E27FC236}">
+                <a16:creationId xmlns:a16="http://schemas.microsoft.com/office/drawing/2014/main" id="{54012F31-7DA8-C782-5257-F416D5D71458}"/>
               </a:ext>
             </a:extLst>
           </p:cNvPr>
@@ -5249,7 +5249,7 @@
         </p:nvSpPr>
         <p:spPr>
           <a:xfrm>
-            <a:off x="11706194" y="6665595"/>
+            <a:off x="9041004" y="6453110"/>
             <a:ext cx="618670" cy="200298"/>
           </a:xfrm>
           <a:prstGeom prst="rect">
@@ -5289,7 +5289,7 @@
                   <a:srgbClr val="FF0000"/>
                 </a:solidFill>
               </a:rPr>
-              <a:t>13</a:t>
+              <a:t>12</a:t>
             </a:r>
           </a:p>
         </p:txBody>
